--- a/azure/cloud-architecture-m2_resiliency.pptx
+++ b/azure/cloud-architecture-m2_resiliency.pptx
@@ -235,7 +235,7 @@
           <a:p>
             <a:fld id="{BE1B5227-671A-4331-BA8E-6A194D65408B}" type="datetimeFigureOut">
               <a:rPr lang="en-US" smtClean="0"/>
-              <a:t>12/8/2017</a:t>
+              <a:t>1/16/2018</a:t>
             </a:fld>
             <a:endParaRPr lang="en-US"/>
           </a:p>
@@ -400,7 +400,7 @@
           <a:p>
             <a:fld id="{27872E6B-C85C-424E-AD51-4389090A2C7D}" type="datetimeFigureOut">
               <a:rPr lang="en-US" smtClean="0"/>
-              <a:t>12/8/2017</a:t>
+              <a:t>1/16/2018</a:t>
             </a:fld>
             <a:endParaRPr lang="en-US"/>
           </a:p>
@@ -4973,13 +4973,13 @@
   <p:clrMapOvr>
     <a:masterClrMapping/>
   </p:clrMapOvr>
-  <mc:AlternateContent xmlns:mc="http://schemas.openxmlformats.org/markup-compatibility/2006" xmlns:p14="http://schemas.microsoft.com/office/powerpoint/2010/main">
-    <mc:Choice Requires="p14">
+  <mc:AlternateContent xmlns:mc="http://schemas.openxmlformats.org/markup-compatibility/2006">
+    <mc:Choice xmlns:p14="http://schemas.microsoft.com/office/powerpoint/2010/main" Requires="p14">
       <p:transition spd="med" p14:dur="700">
         <p:fade/>
       </p:transition>
     </mc:Choice>
-    <mc:Fallback xmlns="">
+    <mc:Fallback>
       <p:transition spd="med">
         <p:fade/>
       </p:transition>
@@ -11219,13 +11219,13 @@
   <p:clrMapOvr>
     <a:masterClrMapping/>
   </p:clrMapOvr>
-  <mc:AlternateContent xmlns:mc="http://schemas.openxmlformats.org/markup-compatibility/2006" xmlns:p14="http://schemas.microsoft.com/office/powerpoint/2010/main">
-    <mc:Choice Requires="p14">
+  <mc:AlternateContent xmlns:mc="http://schemas.openxmlformats.org/markup-compatibility/2006">
+    <mc:Choice xmlns:p14="http://schemas.microsoft.com/office/powerpoint/2010/main" Requires="p14">
       <p:transition spd="med" p14:dur="700">
         <p:fade/>
       </p:transition>
     </mc:Choice>
-    <mc:Fallback xmlns="">
+    <mc:Fallback>
       <p:transition spd="med">
         <p:fade/>
       </p:transition>
@@ -11616,13 +11616,13 @@
   <p:clrMapOvr>
     <a:masterClrMapping/>
   </p:clrMapOvr>
-  <mc:AlternateContent xmlns:mc="http://schemas.openxmlformats.org/markup-compatibility/2006" xmlns:p14="http://schemas.microsoft.com/office/powerpoint/2010/main">
-    <mc:Choice Requires="p14">
+  <mc:AlternateContent xmlns:mc="http://schemas.openxmlformats.org/markup-compatibility/2006">
+    <mc:Choice xmlns:p14="http://schemas.microsoft.com/office/powerpoint/2010/main" Requires="p14">
       <p:transition spd="med" p14:dur="700">
         <p:fade/>
       </p:transition>
     </mc:Choice>
-    <mc:Fallback xmlns="">
+    <mc:Fallback>
       <p:transition spd="med">
         <p:fade/>
       </p:transition>
@@ -12725,13 +12725,13 @@
   <p:clrMapOvr>
     <a:masterClrMapping/>
   </p:clrMapOvr>
-  <mc:AlternateContent xmlns:mc="http://schemas.openxmlformats.org/markup-compatibility/2006" xmlns:p14="http://schemas.microsoft.com/office/powerpoint/2010/main">
-    <mc:Choice Requires="p14">
+  <mc:AlternateContent xmlns:mc="http://schemas.openxmlformats.org/markup-compatibility/2006">
+    <mc:Choice xmlns:p14="http://schemas.microsoft.com/office/powerpoint/2010/main" Requires="p14">
       <p:transition spd="med" p14:dur="700">
         <p:fade/>
       </p:transition>
     </mc:Choice>
-    <mc:Fallback xmlns="">
+    <mc:Fallback>
       <p:transition spd="med">
         <p:fade/>
       </p:transition>
@@ -13579,13 +13579,13 @@
   <p:clrMapOvr>
     <a:masterClrMapping/>
   </p:clrMapOvr>
-  <mc:AlternateContent xmlns:mc="http://schemas.openxmlformats.org/markup-compatibility/2006" xmlns:p14="http://schemas.microsoft.com/office/powerpoint/2010/main">
-    <mc:Choice Requires="p14">
+  <mc:AlternateContent xmlns:mc="http://schemas.openxmlformats.org/markup-compatibility/2006">
+    <mc:Choice xmlns:p14="http://schemas.microsoft.com/office/powerpoint/2010/main" Requires="p14">
       <p:transition spd="med" p14:dur="700">
         <p:fade/>
       </p:transition>
     </mc:Choice>
-    <mc:Fallback xmlns="">
+    <mc:Fallback>
       <p:transition spd="med">
         <p:fade/>
       </p:transition>
@@ -14429,13 +14429,13 @@
   <p:clrMapOvr>
     <a:masterClrMapping/>
   </p:clrMapOvr>
-  <mc:AlternateContent xmlns:mc="http://schemas.openxmlformats.org/markup-compatibility/2006" xmlns:p14="http://schemas.microsoft.com/office/powerpoint/2010/main">
-    <mc:Choice Requires="p14">
+  <mc:AlternateContent xmlns:mc="http://schemas.openxmlformats.org/markup-compatibility/2006">
+    <mc:Choice xmlns:p14="http://schemas.microsoft.com/office/powerpoint/2010/main" Requires="p14">
       <p:transition spd="med" p14:dur="700">
         <p:fade/>
       </p:transition>
     </mc:Choice>
-    <mc:Fallback xmlns="">
+    <mc:Fallback>
       <p:transition spd="med">
         <p:fade/>
       </p:transition>
